--- a/Figures/Figure5.pptx
+++ b/Figures/Figure5.pptx
@@ -128,7 +128,7 @@
         <p:nvSpPr>
           <p:cNvPr id="2" name="Title 1"/>
           <p:cNvSpPr>
-            <a:spLocks noGrp="1"/>
+            <a:spLocks noGrp="true"/>
           </p:cNvSpPr>
           <p:nvPr>
             <p:ph type="ctrTitle"/>
@@ -160,7 +160,7 @@
         <p:nvSpPr>
           <p:cNvPr id="3" name="Subtitle 2"/>
           <p:cNvSpPr>
-            <a:spLocks noGrp="1"/>
+            <a:spLocks noGrp="true"/>
           </p:cNvSpPr>
           <p:nvPr>
             <p:ph type="subTitle" idx="1"/>
@@ -225,7 +225,7 @@
         <p:nvSpPr>
           <p:cNvPr id="4" name="Date Placeholder 3"/>
           <p:cNvSpPr>
-            <a:spLocks noGrp="1"/>
+            <a:spLocks noGrp="true"/>
           </p:cNvSpPr>
           <p:nvPr>
             <p:ph type="dt" sz="half" idx="10"/>
@@ -247,7 +247,7 @@
         <p:nvSpPr>
           <p:cNvPr id="5" name="Footer Placeholder 4"/>
           <p:cNvSpPr>
-            <a:spLocks noGrp="1"/>
+            <a:spLocks noGrp="true"/>
           </p:cNvSpPr>
           <p:nvPr>
             <p:ph type="ftr" sz="quarter" idx="11"/>
@@ -266,7 +266,7 @@
         <p:nvSpPr>
           <p:cNvPr id="6" name="Slide Number Placeholder 5"/>
           <p:cNvSpPr>
-            <a:spLocks noGrp="1"/>
+            <a:spLocks noGrp="true"/>
           </p:cNvSpPr>
           <p:nvPr>
             <p:ph type="sldNum" sz="quarter" idx="12"/>
@@ -313,7 +313,7 @@
         <p:nvSpPr>
           <p:cNvPr id="2" name="Title 1"/>
           <p:cNvSpPr>
-            <a:spLocks noGrp="1"/>
+            <a:spLocks noGrp="true"/>
           </p:cNvSpPr>
           <p:nvPr>
             <p:ph type="title"/>
@@ -336,7 +336,7 @@
         <p:nvSpPr>
           <p:cNvPr id="3" name="Vertical Text Placeholder 2"/>
           <p:cNvSpPr>
-            <a:spLocks noGrp="1"/>
+            <a:spLocks noGrp="true"/>
           </p:cNvSpPr>
           <p:nvPr>
             <p:ph type="body" orient="vert" idx="1"/>
@@ -392,7 +392,7 @@
         <p:nvSpPr>
           <p:cNvPr id="4" name="Date Placeholder 3"/>
           <p:cNvSpPr>
-            <a:spLocks noGrp="1"/>
+            <a:spLocks noGrp="true"/>
           </p:cNvSpPr>
           <p:nvPr>
             <p:ph type="dt" sz="half" idx="10"/>
@@ -414,7 +414,7 @@
         <p:nvSpPr>
           <p:cNvPr id="5" name="Footer Placeholder 4"/>
           <p:cNvSpPr>
-            <a:spLocks noGrp="1"/>
+            <a:spLocks noGrp="true"/>
           </p:cNvSpPr>
           <p:nvPr>
             <p:ph type="ftr" sz="quarter" idx="11"/>
@@ -433,7 +433,7 @@
         <p:nvSpPr>
           <p:cNvPr id="6" name="Slide Number Placeholder 5"/>
           <p:cNvSpPr>
-            <a:spLocks noGrp="1"/>
+            <a:spLocks noGrp="true"/>
           </p:cNvSpPr>
           <p:nvPr>
             <p:ph type="sldNum" sz="quarter" idx="12"/>
@@ -480,7 +480,7 @@
         <p:nvSpPr>
           <p:cNvPr id="2" name="Vertical Title 1"/>
           <p:cNvSpPr>
-            <a:spLocks noGrp="1"/>
+            <a:spLocks noGrp="true"/>
           </p:cNvSpPr>
           <p:nvPr>
             <p:ph type="title" orient="vert"/>
@@ -508,7 +508,7 @@
         <p:nvSpPr>
           <p:cNvPr id="3" name="Vertical Text Placeholder 2"/>
           <p:cNvSpPr>
-            <a:spLocks noGrp="1"/>
+            <a:spLocks noGrp="true"/>
           </p:cNvSpPr>
           <p:nvPr>
             <p:ph type="body" orient="vert" idx="1"/>
@@ -569,7 +569,7 @@
         <p:nvSpPr>
           <p:cNvPr id="4" name="Date Placeholder 3"/>
           <p:cNvSpPr>
-            <a:spLocks noGrp="1"/>
+            <a:spLocks noGrp="true"/>
           </p:cNvSpPr>
           <p:nvPr>
             <p:ph type="dt" sz="half" idx="10"/>
@@ -591,7 +591,7 @@
         <p:nvSpPr>
           <p:cNvPr id="5" name="Footer Placeholder 4"/>
           <p:cNvSpPr>
-            <a:spLocks noGrp="1"/>
+            <a:spLocks noGrp="true"/>
           </p:cNvSpPr>
           <p:nvPr>
             <p:ph type="ftr" sz="quarter" idx="11"/>
@@ -610,7 +610,7 @@
         <p:nvSpPr>
           <p:cNvPr id="6" name="Slide Number Placeholder 5"/>
           <p:cNvSpPr>
-            <a:spLocks noGrp="1"/>
+            <a:spLocks noGrp="true"/>
           </p:cNvSpPr>
           <p:nvPr>
             <p:ph type="sldNum" sz="quarter" idx="12"/>
@@ -657,7 +657,7 @@
         <p:nvSpPr>
           <p:cNvPr id="2" name="Title 1"/>
           <p:cNvSpPr>
-            <a:spLocks noGrp="1"/>
+            <a:spLocks noGrp="true"/>
           </p:cNvSpPr>
           <p:nvPr>
             <p:ph type="title"/>
@@ -680,7 +680,7 @@
         <p:nvSpPr>
           <p:cNvPr id="3" name="Content Placeholder 2"/>
           <p:cNvSpPr>
-            <a:spLocks noGrp="1"/>
+            <a:spLocks noGrp="true"/>
           </p:cNvSpPr>
           <p:nvPr>
             <p:ph idx="1"/>
@@ -736,7 +736,7 @@
         <p:nvSpPr>
           <p:cNvPr id="4" name="Date Placeholder 3"/>
           <p:cNvSpPr>
-            <a:spLocks noGrp="1"/>
+            <a:spLocks noGrp="true"/>
           </p:cNvSpPr>
           <p:nvPr>
             <p:ph type="dt" sz="half" idx="10"/>
@@ -758,7 +758,7 @@
         <p:nvSpPr>
           <p:cNvPr id="5" name="Footer Placeholder 4"/>
           <p:cNvSpPr>
-            <a:spLocks noGrp="1"/>
+            <a:spLocks noGrp="true"/>
           </p:cNvSpPr>
           <p:nvPr>
             <p:ph type="ftr" sz="quarter" idx="11"/>
@@ -777,7 +777,7 @@
         <p:nvSpPr>
           <p:cNvPr id="6" name="Slide Number Placeholder 5"/>
           <p:cNvSpPr>
-            <a:spLocks noGrp="1"/>
+            <a:spLocks noGrp="true"/>
           </p:cNvSpPr>
           <p:nvPr>
             <p:ph type="sldNum" sz="quarter" idx="12"/>
@@ -824,7 +824,7 @@
         <p:nvSpPr>
           <p:cNvPr id="2" name="Title 1"/>
           <p:cNvSpPr>
-            <a:spLocks noGrp="1"/>
+            <a:spLocks noGrp="true"/>
           </p:cNvSpPr>
           <p:nvPr>
             <p:ph type="title"/>
@@ -856,7 +856,7 @@
         <p:nvSpPr>
           <p:cNvPr id="3" name="Text Placeholder 2"/>
           <p:cNvSpPr>
-            <a:spLocks noGrp="1"/>
+            <a:spLocks noGrp="true"/>
           </p:cNvSpPr>
           <p:nvPr>
             <p:ph type="body" idx="1"/>
@@ -976,7 +976,7 @@
         <p:nvSpPr>
           <p:cNvPr id="4" name="Date Placeholder 3"/>
           <p:cNvSpPr>
-            <a:spLocks noGrp="1"/>
+            <a:spLocks noGrp="true"/>
           </p:cNvSpPr>
           <p:nvPr>
             <p:ph type="dt" sz="half" idx="10"/>
@@ -998,7 +998,7 @@
         <p:nvSpPr>
           <p:cNvPr id="5" name="Footer Placeholder 4"/>
           <p:cNvSpPr>
-            <a:spLocks noGrp="1"/>
+            <a:spLocks noGrp="true"/>
           </p:cNvSpPr>
           <p:nvPr>
             <p:ph type="ftr" sz="quarter" idx="11"/>
@@ -1017,7 +1017,7 @@
         <p:nvSpPr>
           <p:cNvPr id="6" name="Slide Number Placeholder 5"/>
           <p:cNvSpPr>
-            <a:spLocks noGrp="1"/>
+            <a:spLocks noGrp="true"/>
           </p:cNvSpPr>
           <p:nvPr>
             <p:ph type="sldNum" sz="quarter" idx="12"/>
@@ -1064,7 +1064,7 @@
         <p:nvSpPr>
           <p:cNvPr id="2" name="Title 1"/>
           <p:cNvSpPr>
-            <a:spLocks noGrp="1"/>
+            <a:spLocks noGrp="true"/>
           </p:cNvSpPr>
           <p:nvPr>
             <p:ph type="title"/>
@@ -1087,7 +1087,7 @@
         <p:nvSpPr>
           <p:cNvPr id="3" name="Content Placeholder 2"/>
           <p:cNvSpPr>
-            <a:spLocks noGrp="1"/>
+            <a:spLocks noGrp="true"/>
           </p:cNvSpPr>
           <p:nvPr>
             <p:ph sz="half" idx="1"/>
@@ -1148,7 +1148,7 @@
         <p:nvSpPr>
           <p:cNvPr id="4" name="Content Placeholder 3"/>
           <p:cNvSpPr>
-            <a:spLocks noGrp="1"/>
+            <a:spLocks noGrp="true"/>
           </p:cNvSpPr>
           <p:nvPr>
             <p:ph sz="half" idx="2"/>
@@ -1209,7 +1209,7 @@
         <p:nvSpPr>
           <p:cNvPr id="5" name="Date Placeholder 4"/>
           <p:cNvSpPr>
-            <a:spLocks noGrp="1"/>
+            <a:spLocks noGrp="true"/>
           </p:cNvSpPr>
           <p:nvPr>
             <p:ph type="dt" sz="half" idx="10"/>
@@ -1231,7 +1231,7 @@
         <p:nvSpPr>
           <p:cNvPr id="6" name="Footer Placeholder 5"/>
           <p:cNvSpPr>
-            <a:spLocks noGrp="1"/>
+            <a:spLocks noGrp="true"/>
           </p:cNvSpPr>
           <p:nvPr>
             <p:ph type="ftr" sz="quarter" idx="11"/>
@@ -1250,7 +1250,7 @@
         <p:nvSpPr>
           <p:cNvPr id="7" name="Slide Number Placeholder 6"/>
           <p:cNvSpPr>
-            <a:spLocks noGrp="1"/>
+            <a:spLocks noGrp="true"/>
           </p:cNvSpPr>
           <p:nvPr>
             <p:ph type="sldNum" sz="quarter" idx="12"/>
@@ -1297,7 +1297,7 @@
         <p:nvSpPr>
           <p:cNvPr id="2" name="Title 1"/>
           <p:cNvSpPr>
-            <a:spLocks noGrp="1"/>
+            <a:spLocks noGrp="true"/>
           </p:cNvSpPr>
           <p:nvPr>
             <p:ph type="title"/>
@@ -1325,7 +1325,7 @@
         <p:nvSpPr>
           <p:cNvPr id="3" name="Text Placeholder 2"/>
           <p:cNvSpPr>
-            <a:spLocks noGrp="1"/>
+            <a:spLocks noGrp="true"/>
           </p:cNvSpPr>
           <p:nvPr>
             <p:ph type="body" idx="1"/>
@@ -1391,7 +1391,7 @@
         <p:nvSpPr>
           <p:cNvPr id="4" name="Content Placeholder 3"/>
           <p:cNvSpPr>
-            <a:spLocks noGrp="1"/>
+            <a:spLocks noGrp="true"/>
           </p:cNvSpPr>
           <p:nvPr>
             <p:ph sz="half" idx="2"/>
@@ -1452,7 +1452,7 @@
         <p:nvSpPr>
           <p:cNvPr id="5" name="Text Placeholder 4"/>
           <p:cNvSpPr>
-            <a:spLocks noGrp="1"/>
+            <a:spLocks noGrp="true"/>
           </p:cNvSpPr>
           <p:nvPr>
             <p:ph type="body" sz="quarter" idx="3"/>
@@ -1518,7 +1518,7 @@
         <p:nvSpPr>
           <p:cNvPr id="6" name="Content Placeholder 5"/>
           <p:cNvSpPr>
-            <a:spLocks noGrp="1"/>
+            <a:spLocks noGrp="true"/>
           </p:cNvSpPr>
           <p:nvPr>
             <p:ph sz="quarter" idx="4"/>
@@ -1579,7 +1579,7 @@
         <p:nvSpPr>
           <p:cNvPr id="7" name="Date Placeholder 6"/>
           <p:cNvSpPr>
-            <a:spLocks noGrp="1"/>
+            <a:spLocks noGrp="true"/>
           </p:cNvSpPr>
           <p:nvPr>
             <p:ph type="dt" sz="half" idx="10"/>
@@ -1601,7 +1601,7 @@
         <p:nvSpPr>
           <p:cNvPr id="8" name="Footer Placeholder 7"/>
           <p:cNvSpPr>
-            <a:spLocks noGrp="1"/>
+            <a:spLocks noGrp="true"/>
           </p:cNvSpPr>
           <p:nvPr>
             <p:ph type="ftr" sz="quarter" idx="11"/>
@@ -1620,7 +1620,7 @@
         <p:nvSpPr>
           <p:cNvPr id="9" name="Slide Number Placeholder 8"/>
           <p:cNvSpPr>
-            <a:spLocks noGrp="1"/>
+            <a:spLocks noGrp="true"/>
           </p:cNvSpPr>
           <p:nvPr>
             <p:ph type="sldNum" sz="quarter" idx="12"/>
@@ -1667,7 +1667,7 @@
         <p:nvSpPr>
           <p:cNvPr id="2" name="Title 1"/>
           <p:cNvSpPr>
-            <a:spLocks noGrp="1"/>
+            <a:spLocks noGrp="true"/>
           </p:cNvSpPr>
           <p:nvPr>
             <p:ph type="title"/>
@@ -1690,7 +1690,7 @@
         <p:nvSpPr>
           <p:cNvPr id="3" name="Date Placeholder 2"/>
           <p:cNvSpPr>
-            <a:spLocks noGrp="1"/>
+            <a:spLocks noGrp="true"/>
           </p:cNvSpPr>
           <p:nvPr>
             <p:ph type="dt" sz="half" idx="10"/>
@@ -1712,7 +1712,7 @@
         <p:nvSpPr>
           <p:cNvPr id="4" name="Footer Placeholder 3"/>
           <p:cNvSpPr>
-            <a:spLocks noGrp="1"/>
+            <a:spLocks noGrp="true"/>
           </p:cNvSpPr>
           <p:nvPr>
             <p:ph type="ftr" sz="quarter" idx="11"/>
@@ -1731,7 +1731,7 @@
         <p:nvSpPr>
           <p:cNvPr id="5" name="Slide Number Placeholder 4"/>
           <p:cNvSpPr>
-            <a:spLocks noGrp="1"/>
+            <a:spLocks noGrp="true"/>
           </p:cNvSpPr>
           <p:nvPr>
             <p:ph type="sldNum" sz="quarter" idx="12"/>
@@ -1778,7 +1778,7 @@
         <p:nvSpPr>
           <p:cNvPr id="2" name="Date Placeholder 1"/>
           <p:cNvSpPr>
-            <a:spLocks noGrp="1"/>
+            <a:spLocks noGrp="true"/>
           </p:cNvSpPr>
           <p:nvPr>
             <p:ph type="dt" sz="half" idx="10"/>
@@ -1800,7 +1800,7 @@
         <p:nvSpPr>
           <p:cNvPr id="3" name="Footer Placeholder 2"/>
           <p:cNvSpPr>
-            <a:spLocks noGrp="1"/>
+            <a:spLocks noGrp="true"/>
           </p:cNvSpPr>
           <p:nvPr>
             <p:ph type="ftr" sz="quarter" idx="11"/>
@@ -1819,7 +1819,7 @@
         <p:nvSpPr>
           <p:cNvPr id="4" name="Slide Number Placeholder 3"/>
           <p:cNvSpPr>
-            <a:spLocks noGrp="1"/>
+            <a:spLocks noGrp="true"/>
           </p:cNvSpPr>
           <p:nvPr>
             <p:ph type="sldNum" sz="quarter" idx="12"/>
@@ -1866,7 +1866,7 @@
         <p:nvSpPr>
           <p:cNvPr id="2" name="Title 1"/>
           <p:cNvSpPr>
-            <a:spLocks noGrp="1"/>
+            <a:spLocks noGrp="true"/>
           </p:cNvSpPr>
           <p:nvPr>
             <p:ph type="title"/>
@@ -1898,7 +1898,7 @@
         <p:nvSpPr>
           <p:cNvPr id="3" name="Content Placeholder 2"/>
           <p:cNvSpPr>
-            <a:spLocks noGrp="1"/>
+            <a:spLocks noGrp="true"/>
           </p:cNvSpPr>
           <p:nvPr>
             <p:ph idx="1"/>
@@ -1987,7 +1987,7 @@
         <p:nvSpPr>
           <p:cNvPr id="4" name="Text Placeholder 3"/>
           <p:cNvSpPr>
-            <a:spLocks noGrp="1"/>
+            <a:spLocks noGrp="true"/>
           </p:cNvSpPr>
           <p:nvPr>
             <p:ph type="body" sz="half" idx="2"/>
@@ -2053,7 +2053,7 @@
         <p:nvSpPr>
           <p:cNvPr id="5" name="Date Placeholder 4"/>
           <p:cNvSpPr>
-            <a:spLocks noGrp="1"/>
+            <a:spLocks noGrp="true"/>
           </p:cNvSpPr>
           <p:nvPr>
             <p:ph type="dt" sz="half" idx="10"/>
@@ -2075,7 +2075,7 @@
         <p:nvSpPr>
           <p:cNvPr id="6" name="Footer Placeholder 5"/>
           <p:cNvSpPr>
-            <a:spLocks noGrp="1"/>
+            <a:spLocks noGrp="true"/>
           </p:cNvSpPr>
           <p:nvPr>
             <p:ph type="ftr" sz="quarter" idx="11"/>
@@ -2094,7 +2094,7 @@
         <p:nvSpPr>
           <p:cNvPr id="7" name="Slide Number Placeholder 6"/>
           <p:cNvSpPr>
-            <a:spLocks noGrp="1"/>
+            <a:spLocks noGrp="true"/>
           </p:cNvSpPr>
           <p:nvPr>
             <p:ph type="sldNum" sz="quarter" idx="12"/>
@@ -2141,7 +2141,7 @@
         <p:nvSpPr>
           <p:cNvPr id="2" name="Title 1"/>
           <p:cNvSpPr>
-            <a:spLocks noGrp="1"/>
+            <a:spLocks noGrp="true"/>
           </p:cNvSpPr>
           <p:nvPr>
             <p:ph type="title"/>
@@ -2173,7 +2173,7 @@
         <p:nvSpPr>
           <p:cNvPr id="3" name="Picture Placeholder 2"/>
           <p:cNvSpPr>
-            <a:spLocks noGrp="1"/>
+            <a:spLocks noGrp="true"/>
           </p:cNvSpPr>
           <p:nvPr>
             <p:ph type="pic" idx="1"/>
@@ -2234,7 +2234,7 @@
         <p:nvSpPr>
           <p:cNvPr id="4" name="Text Placeholder 3"/>
           <p:cNvSpPr>
-            <a:spLocks noGrp="1"/>
+            <a:spLocks noGrp="true"/>
           </p:cNvSpPr>
           <p:nvPr>
             <p:ph type="body" sz="half" idx="2"/>
@@ -2300,7 +2300,7 @@
         <p:nvSpPr>
           <p:cNvPr id="5" name="Date Placeholder 4"/>
           <p:cNvSpPr>
-            <a:spLocks noGrp="1"/>
+            <a:spLocks noGrp="true"/>
           </p:cNvSpPr>
           <p:nvPr>
             <p:ph type="dt" sz="half" idx="10"/>
@@ -2322,7 +2322,7 @@
         <p:nvSpPr>
           <p:cNvPr id="6" name="Footer Placeholder 5"/>
           <p:cNvSpPr>
-            <a:spLocks noGrp="1"/>
+            <a:spLocks noGrp="true"/>
           </p:cNvSpPr>
           <p:nvPr>
             <p:ph type="ftr" sz="quarter" idx="11"/>
@@ -2341,7 +2341,7 @@
         <p:nvSpPr>
           <p:cNvPr id="7" name="Slide Number Placeholder 6"/>
           <p:cNvSpPr>
-            <a:spLocks noGrp="1"/>
+            <a:spLocks noGrp="true"/>
           </p:cNvSpPr>
           <p:nvPr>
             <p:ph type="sldNum" sz="quarter" idx="12"/>
@@ -2393,7 +2393,7 @@
         <p:nvSpPr>
           <p:cNvPr id="2" name="Title Placeholder 1"/>
           <p:cNvSpPr>
-            <a:spLocks noGrp="1"/>
+            <a:spLocks noGrp="true"/>
           </p:cNvSpPr>
           <p:nvPr>
             <p:ph type="title"/>
@@ -2426,7 +2426,7 @@
         <p:nvSpPr>
           <p:cNvPr id="3" name="Text Placeholder 2"/>
           <p:cNvSpPr>
-            <a:spLocks noGrp="1"/>
+            <a:spLocks noGrp="true"/>
           </p:cNvSpPr>
           <p:nvPr>
             <p:ph type="body" idx="1"/>
@@ -2492,7 +2492,7 @@
         <p:nvSpPr>
           <p:cNvPr id="4" name="Date Placeholder 3"/>
           <p:cNvSpPr>
-            <a:spLocks noGrp="1"/>
+            <a:spLocks noGrp="true"/>
           </p:cNvSpPr>
           <p:nvPr>
             <p:ph type="dt" sz="half" idx="2"/>
@@ -2532,7 +2532,7 @@
         <p:nvSpPr>
           <p:cNvPr id="5" name="Footer Placeholder 4"/>
           <p:cNvSpPr>
-            <a:spLocks noGrp="1"/>
+            <a:spLocks noGrp="true"/>
           </p:cNvSpPr>
           <p:nvPr>
             <p:ph type="ftr" sz="quarter" idx="3"/>
@@ -2569,7 +2569,7 @@
         <p:nvSpPr>
           <p:cNvPr id="6" name="Slide Number Placeholder 5"/>
           <p:cNvSpPr>
-            <a:spLocks noGrp="1"/>
+            <a:spLocks noGrp="true"/>
           </p:cNvSpPr>
           <p:nvPr>
             <p:ph type="sldNum" sz="quarter" idx="4"/>
@@ -2649,7 +2649,7 @@
         <a:spcBef>
           <a:spcPts val="1000"/>
         </a:spcBef>
-        <a:buFont typeface="Arial" panose="020B0604020202020204" pitchFamily="34" charset="0"/>
+        <a:buFont typeface="Arial" panose="02080604020202020204" pitchFamily="34" charset="0"/>
         <a:buChar char="•"/>
         <a:defRPr sz="2800" kern="1200">
           <a:solidFill>
@@ -2667,7 +2667,7 @@
         <a:spcBef>
           <a:spcPts val="500"/>
         </a:spcBef>
-        <a:buFont typeface="Arial" panose="020B0604020202020204" pitchFamily="34" charset="0"/>
+        <a:buFont typeface="Arial" panose="02080604020202020204" pitchFamily="34" charset="0"/>
         <a:buChar char="•"/>
         <a:defRPr sz="2400" kern="1200">
           <a:solidFill>
@@ -2685,7 +2685,7 @@
         <a:spcBef>
           <a:spcPts val="500"/>
         </a:spcBef>
-        <a:buFont typeface="Arial" panose="020B0604020202020204" pitchFamily="34" charset="0"/>
+        <a:buFont typeface="Arial" panose="02080604020202020204" pitchFamily="34" charset="0"/>
         <a:buChar char="•"/>
         <a:defRPr sz="2000" kern="1200">
           <a:solidFill>
@@ -2703,7 +2703,7 @@
         <a:spcBef>
           <a:spcPts val="500"/>
         </a:spcBef>
-        <a:buFont typeface="Arial" panose="020B0604020202020204" pitchFamily="34" charset="0"/>
+        <a:buFont typeface="Arial" panose="02080604020202020204" pitchFamily="34" charset="0"/>
         <a:buChar char="•"/>
         <a:defRPr sz="1800" kern="1200">
           <a:solidFill>
@@ -2721,7 +2721,7 @@
         <a:spcBef>
           <a:spcPts val="500"/>
         </a:spcBef>
-        <a:buFont typeface="Arial" panose="020B0604020202020204" pitchFamily="34" charset="0"/>
+        <a:buFont typeface="Arial" panose="02080604020202020204" pitchFamily="34" charset="0"/>
         <a:buChar char="•"/>
         <a:defRPr sz="1800" kern="1200">
           <a:solidFill>
@@ -2739,7 +2739,7 @@
         <a:spcBef>
           <a:spcPts val="500"/>
         </a:spcBef>
-        <a:buFont typeface="Arial" panose="020B0604020202020204" pitchFamily="34" charset="0"/>
+        <a:buFont typeface="Arial" panose="02080604020202020204" pitchFamily="34" charset="0"/>
         <a:buChar char="•"/>
         <a:defRPr sz="1800" kern="1200">
           <a:solidFill>
@@ -2757,7 +2757,7 @@
         <a:spcBef>
           <a:spcPts val="500"/>
         </a:spcBef>
-        <a:buFont typeface="Arial" panose="020B0604020202020204" pitchFamily="34" charset="0"/>
+        <a:buFont typeface="Arial" panose="02080604020202020204" pitchFamily="34" charset="0"/>
         <a:buChar char="•"/>
         <a:defRPr sz="1800" kern="1200">
           <a:solidFill>
@@ -2775,7 +2775,7 @@
         <a:spcBef>
           <a:spcPts val="500"/>
         </a:spcBef>
-        <a:buFont typeface="Arial" panose="020B0604020202020204" pitchFamily="34" charset="0"/>
+        <a:buFont typeface="Arial" panose="02080604020202020204" pitchFamily="34" charset="0"/>
         <a:buChar char="•"/>
         <a:defRPr sz="1800" kern="1200">
           <a:solidFill>
@@ -2793,7 +2793,7 @@
         <a:spcBef>
           <a:spcPts val="500"/>
         </a:spcBef>
-        <a:buFont typeface="Arial" panose="020B0604020202020204" pitchFamily="34" charset="0"/>
+        <a:buFont typeface="Arial" panose="02080604020202020204" pitchFamily="34" charset="0"/>
         <a:buChar char="•"/>
         <a:defRPr sz="1800" kern="1200">
           <a:solidFill>
@@ -2923,9 +2923,9 @@
       </p:grpSpPr>
       <p:pic>
         <p:nvPicPr>
-          <p:cNvPr id="2" name="Picture 1"/>
+          <p:cNvPr id="3" name="Picture 2"/>
           <p:cNvPicPr>
-            <a:picLocks noChangeAspect="1"/>
+            <a:picLocks noChangeAspect="true"/>
           </p:cNvPicPr>
           <p:nvPr/>
         </p:nvPicPr>
@@ -2937,8 +2937,8 @@
         </p:blipFill>
         <p:spPr>
           <a:xfrm>
-            <a:off x="119380" y="217805"/>
-            <a:ext cx="4745990" cy="3615055"/>
+            <a:off x="250825" y="207645"/>
+            <a:ext cx="4848225" cy="3735705"/>
           </a:xfrm>
           <a:prstGeom prst="rect">
             <a:avLst/>
@@ -2949,7 +2949,7 @@
         <p:nvPicPr>
           <p:cNvPr id="28" name="Picture 27"/>
           <p:cNvPicPr>
-            <a:picLocks noChangeAspect="1"/>
+            <a:picLocks noChangeAspect="true"/>
           </p:cNvPicPr>
           <p:nvPr/>
         </p:nvPicPr>
@@ -2972,7 +2972,7 @@
       <p:sp>
         <p:nvSpPr>
           <p:cNvPr id="9" name="Text Box 8"/>
-          <p:cNvSpPr txBox="1"/>
+          <p:cNvSpPr txBox="true"/>
           <p:nvPr/>
         </p:nvSpPr>
         <p:spPr>
@@ -3004,7 +3004,7 @@
       <p:sp>
         <p:nvSpPr>
           <p:cNvPr id="11" name="Text Box 10"/>
-          <p:cNvSpPr txBox="1"/>
+          <p:cNvSpPr txBox="true"/>
           <p:nvPr/>
         </p:nvSpPr>
         <p:spPr>
@@ -3157,7 +3157,7 @@
         <a:solidFill>
           <a:schemeClr val="phClr"/>
         </a:solidFill>
-        <a:gradFill rotWithShape="1">
+        <a:gradFill rotWithShape="true">
           <a:gsLst>
             <a:gs pos="0">
               <a:schemeClr val="phClr">
@@ -3181,9 +3181,9 @@
               </a:schemeClr>
             </a:gs>
           </a:gsLst>
-          <a:lin ang="5400000" scaled="0"/>
+          <a:lin ang="5400000" scaled="false"/>
         </a:gradFill>
-        <a:gradFill rotWithShape="1">
+        <a:gradFill rotWithShape="true">
           <a:gsLst>
             <a:gs pos="0">
               <a:schemeClr val="phClr">
@@ -3207,7 +3207,7 @@
               </a:schemeClr>
             </a:gs>
           </a:gsLst>
-          <a:lin ang="5400000" scaled="0"/>
+          <a:lin ang="5400000" scaled="false"/>
         </a:gradFill>
       </a:fillStyleLst>
       <a:lnStyleLst>
@@ -3260,7 +3260,7 @@
             <a:satMod val="170000"/>
           </a:schemeClr>
         </a:solidFill>
-        <a:gradFill rotWithShape="1">
+        <a:gradFill rotWithShape="true">
           <a:gsLst>
             <a:gs pos="0">
               <a:schemeClr val="phClr">
@@ -3285,7 +3285,7 @@
               </a:schemeClr>
             </a:gs>
           </a:gsLst>
-          <a:lin ang="5400000" scaled="0"/>
+          <a:lin ang="5400000" scaled="false"/>
         </a:gradFill>
       </a:bgFillStyleLst>
     </a:fmtScheme>
